--- a/Software Engineering Durak Präsentation.pptx
+++ b/Software Engineering Durak Präsentation.pptx
@@ -13,8 +13,8 @@
     <p:sldId id="292" r:id="rId4"/>
     <p:sldId id="281" r:id="rId5"/>
     <p:sldId id="286" r:id="rId6"/>
-    <p:sldId id="284" r:id="rId7"/>
-    <p:sldId id="285" r:id="rId8"/>
+    <p:sldId id="285" r:id="rId7"/>
+    <p:sldId id="284" r:id="rId8"/>
     <p:sldId id="288" r:id="rId9"/>
     <p:sldId id="289" r:id="rId10"/>
     <p:sldId id="295" r:id="rId11"/>
@@ -841,7 +841,7 @@
     </p:spTree>
     <p:extLst>
       <p:ext uri="{BB962C8B-B14F-4D97-AF65-F5344CB8AC3E}">
-        <p14:creationId xmlns:p14="http://schemas.microsoft.com/office/powerpoint/2010/main" val="1963093787"/>
+        <p14:creationId xmlns:p14="http://schemas.microsoft.com/office/powerpoint/2010/main" val="3030823142"/>
       </p:ext>
     </p:extLst>
   </p:cSld>
@@ -968,7 +968,7 @@
     </p:spTree>
     <p:extLst>
       <p:ext uri="{BB962C8B-B14F-4D97-AF65-F5344CB8AC3E}">
-        <p14:creationId xmlns:p14="http://schemas.microsoft.com/office/powerpoint/2010/main" val="3030823142"/>
+        <p14:creationId xmlns:p14="http://schemas.microsoft.com/office/powerpoint/2010/main" val="1963093787"/>
       </p:ext>
     </p:extLst>
   </p:cSld>
@@ -5016,10 +5016,10 @@
       </p:sp>
       <p:pic>
         <p:nvPicPr>
-          <p:cNvPr id="7" name="Grafik 6">
+          <p:cNvPr id="17" name="Grafik 16">
             <a:extLst>
               <a:ext uri="{FF2B5EF4-FFF2-40B4-BE49-F238E27FC236}">
-                <a16:creationId xmlns:a16="http://schemas.microsoft.com/office/drawing/2014/main" id="{C4A489BD-B0F7-3C3B-DE8E-70FC7D04333D}"/>
+                <a16:creationId xmlns:a16="http://schemas.microsoft.com/office/drawing/2014/main" id="{8D5B2804-FD04-7824-45DF-C4800F1072EC}"/>
               </a:ext>
             </a:extLst>
           </p:cNvPr>
@@ -5036,8 +5036,8 @@
         </p:blipFill>
         <p:spPr>
           <a:xfrm>
-            <a:off x="4428931" y="0"/>
-            <a:ext cx="7763069" cy="6858000"/>
+            <a:off x="4270604" y="0"/>
+            <a:ext cx="7921396" cy="6858000"/>
           </a:xfrm>
           <a:prstGeom prst="rect">
             <a:avLst/>
@@ -11741,7 +11741,7 @@
           <p:nvPr>
             <p:extLst>
               <p:ext uri="{D42A27DB-BD31-4B8C-83A1-F6EECF244321}">
-                <p14:modId xmlns:p14="http://schemas.microsoft.com/office/powerpoint/2010/main" val="973377598"/>
+                <p14:modId xmlns:p14="http://schemas.microsoft.com/office/powerpoint/2010/main" val="2389353714"/>
               </p:ext>
             </p:extLst>
           </p:nvPr>
@@ -11755,14 +11755,14 @@
             <a:tbl>
               <a:tblPr/>
               <a:tblGrid>
-                <a:gridCol w="2916564">
+                <a:gridCol w="2938032">
                   <a:extLst>
                     <a:ext uri="{9D8B030D-6E8A-4147-A177-3AD203B41FA5}">
                       <a16:colId xmlns:a16="http://schemas.microsoft.com/office/drawing/2014/main" val="20000"/>
                     </a:ext>
                   </a:extLst>
                 </a:gridCol>
-                <a:gridCol w="7020300">
+                <a:gridCol w="6998832">
                   <a:extLst>
                     <a:ext uri="{9D8B030D-6E8A-4147-A177-3AD203B41FA5}">
                       <a16:colId xmlns:a16="http://schemas.microsoft.com/office/drawing/2014/main" val="20001"/>
@@ -11833,7 +11833,7 @@
                         <a:rPr lang="de-DE" sz="1000" b="1" strike="noStrike" spc="-1" dirty="0">
                           <a:latin typeface="Arial"/>
                         </a:rPr>
-                        <a:t>Karten ziehen</a:t>
+                        <a:t>Runde beendet</a:t>
                       </a:r>
                     </a:p>
                   </a:txBody>
@@ -11930,7 +11930,7 @@
                         <a:rPr lang="de-DE" sz="1000" b="0" strike="noStrike" spc="-1" dirty="0">
                           <a:latin typeface="Arial"/>
                         </a:rPr>
-                        <a:t>Karten wurden ausgeteilt</a:t>
+                        <a:t>Neue Runde beginnt; Spiel wurde beendet</a:t>
                       </a:r>
                     </a:p>
                   </a:txBody>
@@ -12124,7 +12124,7 @@
                         <a:rPr lang="de-DE" sz="1000" b="0" strike="noStrike" spc="-1" dirty="0">
                           <a:latin typeface="Arial"/>
                         </a:rPr>
-                        <a:t>Karten auf dem Stapel vorhanden; Spieler hat weniger als 6 Karten</a:t>
+                        <a:t>Zug beendet; Karten wurden verteilt, falls vorhanden</a:t>
                       </a:r>
                     </a:p>
                   </a:txBody>
@@ -12158,7 +12158,7 @@
                   </a:ext>
                 </a:extLst>
               </a:tr>
-              <a:tr h="249106">
+              <a:tr h="249448">
                 <a:tc>
                   <a:txBody>
                     <a:bodyPr/>
@@ -12221,7 +12221,7 @@
                         <a:rPr lang="de-DE" sz="1000" b="0" strike="noStrike" spc="-1" dirty="0">
                           <a:latin typeface="Arial"/>
                         </a:rPr>
-                        <a:t>Zug wurde beendet</a:t>
+                        <a:t>Zug wurde beendet und Karten wurden verteilt</a:t>
                       </a:r>
                     </a:p>
                   </a:txBody>
@@ -12318,7 +12318,7 @@
                         <a:rPr lang="de-DE" sz="1000" b="0" strike="noStrike" spc="-1" dirty="0">
                           <a:latin typeface="Arial"/>
                         </a:rPr>
-                        <a:t>Karten wurden verteilt</a:t>
+                        <a:t>Spiel wurde beendet; neue Runde wurde gestartet</a:t>
                       </a:r>
                     </a:p>
                   </a:txBody>
@@ -12512,7 +12512,7 @@
                         <a:rPr lang="de-DE" sz="1000" b="0" strike="noStrike" spc="-1" dirty="0">
                           <a:latin typeface="Arial"/>
                         </a:rPr>
-                        <a:t>Spiel-ID, Spieler-Hand, Stapel</a:t>
+                        <a:t>Spiel-ID, Spieler-Hand, Stapel, Spieler-Rolle</a:t>
                       </a:r>
                     </a:p>
                   </a:txBody>
@@ -12609,7 +12609,7 @@
                         <a:rPr lang="de-DE" sz="1000" b="0" strike="noStrike" spc="-1" dirty="0">
                           <a:latin typeface="Arial"/>
                         </a:rPr>
-                        <a:t>Spiel-ID, Spieler-Hand, Stapel</a:t>
+                        <a:t>Spiel-ID, Status, Spieler-Rolle</a:t>
                       </a:r>
                     </a:p>
                   </a:txBody>
@@ -12697,7 +12697,7 @@
                     <a:bodyPr/>
                     <a:lstStyle/>
                     <a:p>
-                      <a:pPr marL="360" indent="0">
+                      <a:pPr marL="228960" indent="-228600">
                         <a:lnSpc>
                           <a:spcPct val="100000"/>
                         </a:lnSpc>
@@ -12705,17 +12705,17 @@
                           <a:srgbClr val="000000"/>
                         </a:buClr>
                         <a:buFont typeface="StarSymbol"/>
-                        <a:buNone/>
+                        <a:buAutoNum type="arabicParenR"/>
                       </a:pPr>
                       <a:r>
                         <a:rPr lang="de-DE" sz="1000" b="0" strike="noStrike" spc="-1" dirty="0">
                           <a:latin typeface="Arial"/>
                         </a:rPr>
-                        <a:t>1)  Angreifer zieht Karte(n)</a:t>
-                      </a:r>
-                    </a:p>
-                    <a:p>
-                      <a:pPr marL="360" indent="0">
+                        <a:t>Stapel nach Kartenanzahl überprüfen</a:t>
+                      </a:r>
+                    </a:p>
+                    <a:p>
+                      <a:pPr marL="228960" indent="-228600">
                         <a:lnSpc>
                           <a:spcPct val="100000"/>
                         </a:lnSpc>
@@ -12723,17 +12723,17 @@
                           <a:srgbClr val="000000"/>
                         </a:buClr>
                         <a:buFont typeface="StarSymbol"/>
-                        <a:buNone/>
+                        <a:buAutoNum type="arabicParenR"/>
                       </a:pPr>
                       <a:r>
                         <a:rPr lang="de-DE" sz="1000" b="0" strike="noStrike" spc="-1" dirty="0">
                           <a:latin typeface="Arial"/>
                         </a:rPr>
-                        <a:t>2)  Nebenangreifer zieht Karte(n)</a:t>
-                      </a:r>
-                    </a:p>
-                    <a:p>
-                      <a:pPr marL="360" indent="0">
+                        <a:t>Spieler-Rolle verteilen</a:t>
+                      </a:r>
+                    </a:p>
+                    <a:p>
+                      <a:pPr marL="228960" indent="-228600">
                         <a:lnSpc>
                           <a:spcPct val="100000"/>
                         </a:lnSpc>
@@ -12741,13 +12741,13 @@
                           <a:srgbClr val="000000"/>
                         </a:buClr>
                         <a:buFont typeface="StarSymbol"/>
-                        <a:buNone/>
+                        <a:buAutoNum type="arabicParenR"/>
                       </a:pPr>
                       <a:r>
                         <a:rPr lang="de-DE" sz="1000" b="0" strike="noStrike" spc="-1" dirty="0">
                           <a:latin typeface="Arial"/>
                         </a:rPr>
-                        <a:t>3)  Verteidiger zieht Karten</a:t>
+                        <a:t>Nächste Runde starten</a:t>
                       </a:r>
                     </a:p>
                   </a:txBody>
@@ -12835,17 +12835,64 @@
                     <a:bodyPr/>
                     <a:lstStyle/>
                     <a:p>
+                      <a:pPr marL="0" marR="0" lvl="0" indent="0" algn="l" defTabSz="914400" rtl="0" eaLnBrk="1" fontAlgn="auto" latinLnBrk="0" hangingPunct="1">
+                        <a:lnSpc>
+                          <a:spcPct val="100000"/>
+                        </a:lnSpc>
+                        <a:spcBef>
+                          <a:spcPts val="0"/>
+                        </a:spcBef>
+                        <a:spcAft>
+                          <a:spcPts val="0"/>
+                        </a:spcAft>
+                        <a:buClrTx/>
+                        <a:buSzTx/>
+                        <a:buFontTx/>
+                        <a:buNone/>
+                        <a:tabLst/>
+                        <a:defRPr/>
+                      </a:pPr>
+                      <a:r>
+                        <a:rPr lang="de-DE" sz="1000" b="0" strike="noStrike" spc="-1" dirty="0">
+                          <a:latin typeface="Arial"/>
+                        </a:rPr>
+                        <a:t>1a)  Spieler-Hand nach Kartenanzahl überprüfen, falls Stapelgröße = 0</a:t>
+                      </a:r>
+                    </a:p>
+                    <a:p>
+                      <a:pPr marL="0" marR="0" lvl="0" indent="0" algn="l" defTabSz="914400" rtl="0" eaLnBrk="1" fontAlgn="auto" latinLnBrk="0" hangingPunct="1">
+                        <a:lnSpc>
+                          <a:spcPct val="100000"/>
+                        </a:lnSpc>
+                        <a:spcBef>
+                          <a:spcPts val="0"/>
+                        </a:spcBef>
+                        <a:spcAft>
+                          <a:spcPts val="0"/>
+                        </a:spcAft>
+                        <a:buClrTx/>
+                        <a:buSzTx/>
+                        <a:buFontTx/>
+                        <a:buNone/>
+                        <a:tabLst/>
+                        <a:defRPr/>
+                      </a:pPr>
+                      <a:r>
+                        <a:rPr lang="de-DE" sz="1000" b="0" strike="noStrike" spc="-1" dirty="0">
+                          <a:latin typeface="Arial"/>
+                        </a:rPr>
+                        <a:t>2a)  Spieler wird entfernt, falls Stapelgröße = 0 und Spieler-Hand = 0</a:t>
+                      </a:r>
+                    </a:p>
+                    <a:p>
                       <a:pPr>
                         <a:lnSpc>
                           <a:spcPct val="100000"/>
                         </a:lnSpc>
                       </a:pPr>
-                      <a:r>
-                        <a:rPr lang="de-DE" sz="1000" b="0" strike="noStrike" spc="-1" dirty="0">
-                          <a:latin typeface="Arial"/>
-                        </a:rPr>
-                        <a:t>-</a:t>
-                      </a:r>
+                      <a:endParaRPr lang="de-DE" sz="1000" b="0" strike="noStrike" spc="-1" dirty="0">
+                        <a:latin typeface="Arial"/>
+                      </a:endParaRPr>
                     </a:p>
                   </a:txBody>
                   <a:tcPr marL="52704" marR="52704" marT="54864" marB="54864">
@@ -12941,7 +12988,7 @@
                         <a:rPr lang="de-DE" sz="1000" b="0" strike="noStrike" spc="-1" dirty="0">
                           <a:latin typeface="Arial"/>
                         </a:rPr>
-                        <a:t>2a) / 3a) keine Karten auf dem Stapel -&gt; „Karten ziehen“ wird beendet</a:t>
+                        <a:t>3a)  Spiel wird beendet, wenn Spieleranzahl = 1 oder 0</a:t>
                       </a:r>
                     </a:p>
                   </a:txBody>
@@ -12982,7 +13029,7 @@
     </p:spTree>
     <p:extLst>
       <p:ext uri="{BB962C8B-B14F-4D97-AF65-F5344CB8AC3E}">
-        <p14:creationId xmlns:p14="http://schemas.microsoft.com/office/powerpoint/2010/main" val="590598072"/>
+        <p14:creationId xmlns:p14="http://schemas.microsoft.com/office/powerpoint/2010/main" val="1134332486"/>
       </p:ext>
     </p:extLst>
   </p:cSld>
@@ -13067,7 +13114,7 @@
           <p:nvPr>
             <p:extLst>
               <p:ext uri="{D42A27DB-BD31-4B8C-83A1-F6EECF244321}">
-                <p14:modId xmlns:p14="http://schemas.microsoft.com/office/powerpoint/2010/main" val="310168509"/>
+                <p14:modId xmlns:p14="http://schemas.microsoft.com/office/powerpoint/2010/main" val="973377598"/>
               </p:ext>
             </p:extLst>
           </p:nvPr>
@@ -13081,14 +13128,14 @@
             <a:tbl>
               <a:tblPr/>
               <a:tblGrid>
-                <a:gridCol w="2938032">
+                <a:gridCol w="2916564">
                   <a:extLst>
                     <a:ext uri="{9D8B030D-6E8A-4147-A177-3AD203B41FA5}">
                       <a16:colId xmlns:a16="http://schemas.microsoft.com/office/drawing/2014/main" val="20000"/>
                     </a:ext>
                   </a:extLst>
                 </a:gridCol>
-                <a:gridCol w="6998832">
+                <a:gridCol w="7020300">
                   <a:extLst>
                     <a:ext uri="{9D8B030D-6E8A-4147-A177-3AD203B41FA5}">
                       <a16:colId xmlns:a16="http://schemas.microsoft.com/office/drawing/2014/main" val="20001"/>
@@ -13159,7 +13206,7 @@
                         <a:rPr lang="de-DE" sz="1000" b="1" strike="noStrike" spc="-1" dirty="0">
                           <a:latin typeface="Arial"/>
                         </a:rPr>
-                        <a:t>Runde beendet</a:t>
+                        <a:t>Karten ziehen</a:t>
                       </a:r>
                     </a:p>
                   </a:txBody>
@@ -13256,7 +13303,7 @@
                         <a:rPr lang="de-DE" sz="1000" b="0" strike="noStrike" spc="-1" dirty="0">
                           <a:latin typeface="Arial"/>
                         </a:rPr>
-                        <a:t>Neue Runde beginnt; Spiel wurde beendet</a:t>
+                        <a:t>Karten wurden ausgeteilt</a:t>
                       </a:r>
                     </a:p>
                   </a:txBody>
@@ -13450,7 +13497,7 @@
                         <a:rPr lang="de-DE" sz="1000" b="0" strike="noStrike" spc="-1" dirty="0">
                           <a:latin typeface="Arial"/>
                         </a:rPr>
-                        <a:t>Zug beendet; Karten wurden verteilt, falls vorhanden</a:t>
+                        <a:t>Karten auf dem Stapel vorhanden; Spieler hat weniger als 6 Karten</a:t>
                       </a:r>
                     </a:p>
                   </a:txBody>
@@ -13484,7 +13531,7 @@
                   </a:ext>
                 </a:extLst>
               </a:tr>
-              <a:tr h="249448">
+              <a:tr h="249106">
                 <a:tc>
                   <a:txBody>
                     <a:bodyPr/>
@@ -13547,17 +13594,8 @@
                         <a:rPr lang="de-DE" sz="1000" b="0" strike="noStrike" spc="-1" dirty="0">
                           <a:latin typeface="Arial"/>
                         </a:rPr>
-                        <a:t>Zug wurde beendet und Karten wurden </a:t>
-                      </a:r>
-                      <a:r>
-                        <a:rPr lang="de-DE" sz="1000" b="0" strike="noStrike" spc="-1" dirty="0" err="1">
-                          <a:latin typeface="Arial"/>
-                        </a:rPr>
-                        <a:t>verteilit</a:t>
-                      </a:r>
-                      <a:endParaRPr lang="de-DE" sz="1000" b="0" strike="noStrike" spc="-1" dirty="0">
-                        <a:latin typeface="Arial"/>
-                      </a:endParaRPr>
+                        <a:t>Zug wurde beendet</a:t>
+                      </a:r>
                     </a:p>
                   </a:txBody>
                   <a:tcPr marL="52704" marR="52704" marT="54864" marB="54864">
@@ -13653,7 +13691,7 @@
                         <a:rPr lang="de-DE" sz="1000" b="0" strike="noStrike" spc="-1" dirty="0">
                           <a:latin typeface="Arial"/>
                         </a:rPr>
-                        <a:t>Spiel wurde beendet; neue Runde wurde gestartet</a:t>
+                        <a:t>Karten wurden verteilt</a:t>
                       </a:r>
                     </a:p>
                   </a:txBody>
@@ -13847,7 +13885,7 @@
                         <a:rPr lang="de-DE" sz="1000" b="0" strike="noStrike" spc="-1" dirty="0">
                           <a:latin typeface="Arial"/>
                         </a:rPr>
-                        <a:t>Spiel-ID, Spieler-Hand, Stapel, Spieler-Rolle</a:t>
+                        <a:t>Spiel-ID, Spieler-Hand, Stapel</a:t>
                       </a:r>
                     </a:p>
                   </a:txBody>
@@ -13944,7 +13982,7 @@
                         <a:rPr lang="de-DE" sz="1000" b="0" strike="noStrike" spc="-1" dirty="0">
                           <a:latin typeface="Arial"/>
                         </a:rPr>
-                        <a:t>Spiel-ID, Status, Spieler-Rolle</a:t>
+                        <a:t>Spiel-ID, Spieler-Hand, Stapel</a:t>
                       </a:r>
                     </a:p>
                   </a:txBody>
@@ -14032,7 +14070,7 @@
                     <a:bodyPr/>
                     <a:lstStyle/>
                     <a:p>
-                      <a:pPr marL="228960" indent="-228600">
+                      <a:pPr marL="360" indent="0">
                         <a:lnSpc>
                           <a:spcPct val="100000"/>
                         </a:lnSpc>
@@ -14040,17 +14078,17 @@
                           <a:srgbClr val="000000"/>
                         </a:buClr>
                         <a:buFont typeface="StarSymbol"/>
-                        <a:buAutoNum type="arabicParenR"/>
+                        <a:buNone/>
                       </a:pPr>
                       <a:r>
                         <a:rPr lang="de-DE" sz="1000" b="0" strike="noStrike" spc="-1" dirty="0">
                           <a:latin typeface="Arial"/>
                         </a:rPr>
-                        <a:t>Stapel nach Kartenanzahl überprüfen</a:t>
-                      </a:r>
-                    </a:p>
-                    <a:p>
-                      <a:pPr marL="228960" indent="-228600">
+                        <a:t>1)  Angreifer zieht Karte(n)</a:t>
+                      </a:r>
+                    </a:p>
+                    <a:p>
+                      <a:pPr marL="360" indent="0">
                         <a:lnSpc>
                           <a:spcPct val="100000"/>
                         </a:lnSpc>
@@ -14058,17 +14096,17 @@
                           <a:srgbClr val="000000"/>
                         </a:buClr>
                         <a:buFont typeface="StarSymbol"/>
-                        <a:buAutoNum type="arabicParenR"/>
+                        <a:buNone/>
                       </a:pPr>
                       <a:r>
                         <a:rPr lang="de-DE" sz="1000" b="0" strike="noStrike" spc="-1" dirty="0">
                           <a:latin typeface="Arial"/>
                         </a:rPr>
-                        <a:t>Spieler-Rolle verteilen</a:t>
-                      </a:r>
-                    </a:p>
-                    <a:p>
-                      <a:pPr marL="228960" indent="-228600">
+                        <a:t>2)  Nebenangreifer zieht Karte(n)</a:t>
+                      </a:r>
+                    </a:p>
+                    <a:p>
+                      <a:pPr marL="360" indent="0">
                         <a:lnSpc>
                           <a:spcPct val="100000"/>
                         </a:lnSpc>
@@ -14076,13 +14114,13 @@
                           <a:srgbClr val="000000"/>
                         </a:buClr>
                         <a:buFont typeface="StarSymbol"/>
-                        <a:buAutoNum type="arabicParenR"/>
+                        <a:buNone/>
                       </a:pPr>
                       <a:r>
                         <a:rPr lang="de-DE" sz="1000" b="0" strike="noStrike" spc="-1" dirty="0">
                           <a:latin typeface="Arial"/>
                         </a:rPr>
-                        <a:t>Nächste Runde starten</a:t>
+                        <a:t>3)  Verteidiger zieht Karten</a:t>
                       </a:r>
                     </a:p>
                   </a:txBody>
@@ -14170,64 +14208,17 @@
                     <a:bodyPr/>
                     <a:lstStyle/>
                     <a:p>
-                      <a:pPr marL="0" marR="0" lvl="0" indent="0" algn="l" defTabSz="914400" rtl="0" eaLnBrk="1" fontAlgn="auto" latinLnBrk="0" hangingPunct="1">
-                        <a:lnSpc>
-                          <a:spcPct val="100000"/>
-                        </a:lnSpc>
-                        <a:spcBef>
-                          <a:spcPts val="0"/>
-                        </a:spcBef>
-                        <a:spcAft>
-                          <a:spcPts val="0"/>
-                        </a:spcAft>
-                        <a:buClrTx/>
-                        <a:buSzTx/>
-                        <a:buFontTx/>
-                        <a:buNone/>
-                        <a:tabLst/>
-                        <a:defRPr/>
-                      </a:pPr>
-                      <a:r>
-                        <a:rPr lang="de-DE" sz="1000" b="0" strike="noStrike" spc="-1" dirty="0">
-                          <a:latin typeface="Arial"/>
-                        </a:rPr>
-                        <a:t>1a)  Spieler-Hand nach Kartenanzahl überprüfen, falls Stapelgröße = 0</a:t>
-                      </a:r>
-                    </a:p>
-                    <a:p>
-                      <a:pPr marL="0" marR="0" lvl="0" indent="0" algn="l" defTabSz="914400" rtl="0" eaLnBrk="1" fontAlgn="auto" latinLnBrk="0" hangingPunct="1">
-                        <a:lnSpc>
-                          <a:spcPct val="100000"/>
-                        </a:lnSpc>
-                        <a:spcBef>
-                          <a:spcPts val="0"/>
-                        </a:spcBef>
-                        <a:spcAft>
-                          <a:spcPts val="0"/>
-                        </a:spcAft>
-                        <a:buClrTx/>
-                        <a:buSzTx/>
-                        <a:buFontTx/>
-                        <a:buNone/>
-                        <a:tabLst/>
-                        <a:defRPr/>
-                      </a:pPr>
-                      <a:r>
-                        <a:rPr lang="de-DE" sz="1000" b="0" strike="noStrike" spc="-1" dirty="0">
-                          <a:latin typeface="Arial"/>
-                        </a:rPr>
-                        <a:t>2a)  Spieler wird entfernt, falls Stapelgröße = 0 und Spieler-Hand = 0</a:t>
-                      </a:r>
-                    </a:p>
-                    <a:p>
                       <a:pPr>
                         <a:lnSpc>
                           <a:spcPct val="100000"/>
                         </a:lnSpc>
                       </a:pPr>
-                      <a:endParaRPr lang="de-DE" sz="1000" b="0" strike="noStrike" spc="-1" dirty="0">
-                        <a:latin typeface="Arial"/>
-                      </a:endParaRPr>
+                      <a:r>
+                        <a:rPr lang="de-DE" sz="1000" b="0" strike="noStrike" spc="-1" dirty="0">
+                          <a:latin typeface="Arial"/>
+                        </a:rPr>
+                        <a:t>-</a:t>
+                      </a:r>
                     </a:p>
                   </a:txBody>
                   <a:tcPr marL="52704" marR="52704" marT="54864" marB="54864">
@@ -14323,7 +14314,7 @@
                         <a:rPr lang="de-DE" sz="1000" b="0" strike="noStrike" spc="-1" dirty="0">
                           <a:latin typeface="Arial"/>
                         </a:rPr>
-                        <a:t>3a)  Spiel wird beendet, wenn Spieleranzahl = 1 oder 0</a:t>
+                        <a:t>2a) / 3a) keine Karten auf dem Stapel -&gt; „Karten ziehen“ wird beendet</a:t>
                       </a:r>
                     </a:p>
                   </a:txBody>
@@ -14364,7 +14355,7 @@
     </p:spTree>
     <p:extLst>
       <p:ext uri="{BB962C8B-B14F-4D97-AF65-F5344CB8AC3E}">
-        <p14:creationId xmlns:p14="http://schemas.microsoft.com/office/powerpoint/2010/main" val="1134332486"/>
+        <p14:creationId xmlns:p14="http://schemas.microsoft.com/office/powerpoint/2010/main" val="590598072"/>
       </p:ext>
     </p:extLst>
   </p:cSld>
